--- a/slide/themes/src/05_green leaf.pptx
+++ b/slide/themes/src/05_green leaf.pptx
@@ -3652,7 +3652,7 @@
 <file path=ppt/theme/theme1.xml><?xml version="1.0" encoding="utf-8"?>
 <a:theme xmlns:a="http://schemas.openxmlformats.org/drawingml/2006/main" name="Green leaf">
   <a:themeElements>
-    <a:clrScheme name="Бумажная">
+    <a:clrScheme name="Paper">
       <a:dk1>
         <a:sysClr val="windowText" lastClr="000000"/>
       </a:dk1>

--- a/slide/themes/src/05_green leaf.pptx
+++ b/slide/themes/src/05_green leaf.pptx
@@ -778,6 +778,71 @@
           </a:fontRef>
         </p:style>
       </p:cxnSp>
+      <p:sp>
+        <p:nvSpPr>
+          <p:cNvPr id="4" name="Дата 3"/>
+          <p:cNvSpPr>
+            <a:spLocks noGrp="1"/>
+          </p:cNvSpPr>
+          <p:nvPr>
+            <p:ph type="dt" sz="half" idx="10"/>
+          </p:nvPr>
+        </p:nvSpPr>
+        <p:spPr/>
+        <p:txBody>
+          <a:bodyPr/>
+          <a:lstStyle/>
+          <a:p>
+            <a:fld id="{51E84241-D031-42DE-84E4-CC10C30232F4}" type="datetimeFigureOut">
+              <a:rPr lang="ru-RU" smtClean="0"/>
+              <a:t>22.10.2013</a:t>
+            </a:fld>
+            <a:endParaRPr lang="ru-RU"/>
+          </a:p>
+        </p:txBody>
+      </p:sp>
+      <p:sp>
+        <p:nvSpPr>
+          <p:cNvPr id="5" name="Нижний колонтитул 4"/>
+          <p:cNvSpPr>
+            <a:spLocks noGrp="1"/>
+          </p:cNvSpPr>
+          <p:nvPr>
+            <p:ph type="ftr" sz="quarter" idx="11"/>
+          </p:nvPr>
+        </p:nvSpPr>
+        <p:spPr/>
+        <p:txBody>
+          <a:bodyPr/>
+          <a:lstStyle/>
+          <a:p>
+            <a:endParaRPr lang="ru-RU"/>
+          </a:p>
+        </p:txBody>
+      </p:sp>
+      <p:sp>
+        <p:nvSpPr>
+          <p:cNvPr id="6" name="Номер слайда 5"/>
+          <p:cNvSpPr>
+            <a:spLocks noGrp="1"/>
+          </p:cNvSpPr>
+          <p:nvPr>
+            <p:ph type="sldNum" sz="quarter" idx="12"/>
+          </p:nvPr>
+        </p:nvSpPr>
+        <p:spPr/>
+        <p:txBody>
+          <a:bodyPr/>
+          <a:lstStyle/>
+          <a:p>
+            <a:fld id="{6B5AA3AA-5EA9-4976-BF6C-9891F6110747}" type="slidenum">
+              <a:rPr lang="ru-RU" smtClean="0"/>
+              <a:t>‹#›</a:t>
+            </a:fld>
+            <a:endParaRPr lang="ru-RU"/>
+          </a:p>
+        </p:txBody>
+      </p:sp>
     </p:spTree>
   </p:cSld>
   <p:clrMapOvr>
